--- a/phys_des/placement.pptx
+++ b/phys_des/placement.pptx
@@ -2,7 +2,7 @@
 <file path=ppt/presentation.xml><?xml version="1.0" encoding="utf-8"?>
 <p:presentation xmlns:a="http://schemas.openxmlformats.org/drawingml/2006/main" xmlns:r="http://schemas.openxmlformats.org/officeDocument/2006/relationships" xmlns:p="http://schemas.openxmlformats.org/presentationml/2006/main" saveSubsetFonts="1">
   <p:sldMasterIdLst>
-    <p:sldMasterId id="2147483648" r:id="rId1"/>
+    <p:sldMasterId id="2147483660" r:id="rId1"/>
   </p:sldMasterIdLst>
   <p:sldIdLst>
     <p:sldId id="256" r:id="rId2"/>
@@ -14,7 +14,7 @@
     <p:sldId id="266" r:id="rId8"/>
     <p:sldId id="262" r:id="rId9"/>
   </p:sldIdLst>
-  <p:sldSz cx="12192000" cy="6858000"/>
+  <p:sldSz cx="9144000" cy="6858000" type="screen4x3"/>
   <p:notesSz cx="6858000" cy="9144000"/>
   <p:defaultTextStyle>
     <a:defPPr>
@@ -138,7 +138,7 @@
       </p:grpSpPr>
       <p:sp>
         <p:nvSpPr>
-          <p:cNvPr id="2" name="标题 1"/>
+          <p:cNvPr id="2" name="Title 1"/>
           <p:cNvSpPr>
             <a:spLocks noGrp="1"/>
           </p:cNvSpPr>
@@ -148,8 +148,8 @@
         </p:nvSpPr>
         <p:spPr>
           <a:xfrm>
-            <a:off x="1524000" y="1122363"/>
-            <a:ext cx="9144000" cy="2387600"/>
+            <a:off x="685800" y="1122363"/>
+            <a:ext cx="7772400" cy="2387600"/>
           </a:xfrm>
         </p:spPr>
         <p:txBody>
@@ -164,13 +164,13 @@
               <a:rPr lang="zh-CN" altLang="en-US" smtClean="0"/>
               <a:t>单击此处编辑母版标题样式</a:t>
             </a:r>
-            <a:endParaRPr lang="en-US"/>
-          </a:p>
-        </p:txBody>
-      </p:sp>
-      <p:sp>
-        <p:nvSpPr>
-          <p:cNvPr id="3" name="副标题 2"/>
+            <a:endParaRPr lang="en-US" dirty="0"/>
+          </a:p>
+        </p:txBody>
+      </p:sp>
+      <p:sp>
+        <p:nvSpPr>
+          <p:cNvPr id="3" name="Subtitle 2"/>
           <p:cNvSpPr>
             <a:spLocks noGrp="1"/>
           </p:cNvSpPr>
@@ -180,8 +180,8 @@
         </p:nvSpPr>
         <p:spPr>
           <a:xfrm>
-            <a:off x="1524000" y="3602038"/>
-            <a:ext cx="9144000" cy="1655762"/>
+            <a:off x="1143000" y="3602038"/>
+            <a:ext cx="6858000" cy="1655762"/>
           </a:xfrm>
         </p:spPr>
         <p:txBody>
@@ -229,13 +229,13 @@
               <a:rPr lang="zh-CN" altLang="en-US" smtClean="0"/>
               <a:t>单击以编辑母版副标题样式</a:t>
             </a:r>
-            <a:endParaRPr lang="en-US"/>
-          </a:p>
-        </p:txBody>
-      </p:sp>
-      <p:sp>
-        <p:nvSpPr>
-          <p:cNvPr id="4" name="日期占位符 3"/>
+            <a:endParaRPr lang="en-US" dirty="0"/>
+          </a:p>
+        </p:txBody>
+      </p:sp>
+      <p:sp>
+        <p:nvSpPr>
+          <p:cNvPr id="4" name="Date Placeholder 3"/>
           <p:cNvSpPr>
             <a:spLocks noGrp="1"/>
           </p:cNvSpPr>
@@ -250,7 +250,7 @@
           <a:p>
             <a:fld id="{B6F453CB-D2C6-457F-A07C-A12923F6E878}" type="datetimeFigureOut">
               <a:rPr lang="en-US" smtClean="0"/>
-              <a:t>12/18/2022</a:t>
+              <a:t>10/6/2023</a:t>
             </a:fld>
             <a:endParaRPr lang="en-US"/>
           </a:p>
@@ -258,7 +258,7 @@
       </p:sp>
       <p:sp>
         <p:nvSpPr>
-          <p:cNvPr id="5" name="页脚占位符 4"/>
+          <p:cNvPr id="5" name="Footer Placeholder 4"/>
           <p:cNvSpPr>
             <a:spLocks noGrp="1"/>
           </p:cNvSpPr>
@@ -277,7 +277,7 @@
       </p:sp>
       <p:sp>
         <p:nvSpPr>
-          <p:cNvPr id="6" name="灯片编号占位符 5"/>
+          <p:cNvPr id="6" name="Slide Number Placeholder 5"/>
           <p:cNvSpPr>
             <a:spLocks noGrp="1"/>
           </p:cNvSpPr>
@@ -301,7 +301,7 @@
     </p:spTree>
     <p:extLst>
       <p:ext uri="{BB962C8B-B14F-4D97-AF65-F5344CB8AC3E}">
-        <p14:creationId xmlns:p14="http://schemas.microsoft.com/office/powerpoint/2010/main" val="2695984446"/>
+        <p14:creationId xmlns:p14="http://schemas.microsoft.com/office/powerpoint/2010/main" val="3606437779"/>
       </p:ext>
     </p:extLst>
   </p:cSld>
@@ -330,7 +330,7 @@
       </p:grpSpPr>
       <p:sp>
         <p:nvSpPr>
-          <p:cNvPr id="2" name="标题 1"/>
+          <p:cNvPr id="2" name="Title 1"/>
           <p:cNvSpPr>
             <a:spLocks noGrp="1"/>
           </p:cNvSpPr>
@@ -347,13 +347,13 @@
               <a:rPr lang="zh-CN" altLang="en-US" smtClean="0"/>
               <a:t>单击此处编辑母版标题样式</a:t>
             </a:r>
-            <a:endParaRPr lang="en-US"/>
-          </a:p>
-        </p:txBody>
-      </p:sp>
-      <p:sp>
-        <p:nvSpPr>
-          <p:cNvPr id="3" name="竖排文字占位符 2"/>
+            <a:endParaRPr lang="en-US" dirty="0"/>
+          </a:p>
+        </p:txBody>
+      </p:sp>
+      <p:sp>
+        <p:nvSpPr>
+          <p:cNvPr id="3" name="Vertical Text Placeholder 2"/>
           <p:cNvSpPr>
             <a:spLocks noGrp="1"/>
           </p:cNvSpPr>
@@ -399,13 +399,13 @@
               <a:rPr lang="zh-CN" altLang="en-US" smtClean="0"/>
               <a:t>第五级</a:t>
             </a:r>
-            <a:endParaRPr lang="en-US"/>
-          </a:p>
-        </p:txBody>
-      </p:sp>
-      <p:sp>
-        <p:nvSpPr>
-          <p:cNvPr id="4" name="日期占位符 3"/>
+            <a:endParaRPr lang="en-US" dirty="0"/>
+          </a:p>
+        </p:txBody>
+      </p:sp>
+      <p:sp>
+        <p:nvSpPr>
+          <p:cNvPr id="4" name="Date Placeholder 3"/>
           <p:cNvSpPr>
             <a:spLocks noGrp="1"/>
           </p:cNvSpPr>
@@ -420,7 +420,7 @@
           <a:p>
             <a:fld id="{B6F453CB-D2C6-457F-A07C-A12923F6E878}" type="datetimeFigureOut">
               <a:rPr lang="en-US" smtClean="0"/>
-              <a:t>12/18/2022</a:t>
+              <a:t>10/6/2023</a:t>
             </a:fld>
             <a:endParaRPr lang="en-US"/>
           </a:p>
@@ -428,7 +428,7 @@
       </p:sp>
       <p:sp>
         <p:nvSpPr>
-          <p:cNvPr id="5" name="页脚占位符 4"/>
+          <p:cNvPr id="5" name="Footer Placeholder 4"/>
           <p:cNvSpPr>
             <a:spLocks noGrp="1"/>
           </p:cNvSpPr>
@@ -447,7 +447,7 @@
       </p:sp>
       <p:sp>
         <p:nvSpPr>
-          <p:cNvPr id="6" name="灯片编号占位符 5"/>
+          <p:cNvPr id="6" name="Slide Number Placeholder 5"/>
           <p:cNvSpPr>
             <a:spLocks noGrp="1"/>
           </p:cNvSpPr>
@@ -471,7 +471,7 @@
     </p:spTree>
     <p:extLst>
       <p:ext uri="{BB962C8B-B14F-4D97-AF65-F5344CB8AC3E}">
-        <p14:creationId xmlns:p14="http://schemas.microsoft.com/office/powerpoint/2010/main" val="1984296031"/>
+        <p14:creationId xmlns:p14="http://schemas.microsoft.com/office/powerpoint/2010/main" val="718667115"/>
       </p:ext>
     </p:extLst>
   </p:cSld>
@@ -500,7 +500,7 @@
       </p:grpSpPr>
       <p:sp>
         <p:nvSpPr>
-          <p:cNvPr id="2" name="竖排标题 1"/>
+          <p:cNvPr id="2" name="Vertical Title 1"/>
           <p:cNvSpPr>
             <a:spLocks noGrp="1"/>
           </p:cNvSpPr>
@@ -510,8 +510,8 @@
         </p:nvSpPr>
         <p:spPr>
           <a:xfrm>
-            <a:off x="8724900" y="365125"/>
-            <a:ext cx="2628900" cy="5811838"/>
+            <a:off x="6543675" y="365125"/>
+            <a:ext cx="1971675" cy="5811838"/>
           </a:xfrm>
         </p:spPr>
         <p:txBody>
@@ -522,13 +522,13 @@
               <a:rPr lang="zh-CN" altLang="en-US" smtClean="0"/>
               <a:t>单击此处编辑母版标题样式</a:t>
             </a:r>
-            <a:endParaRPr lang="en-US"/>
-          </a:p>
-        </p:txBody>
-      </p:sp>
-      <p:sp>
-        <p:nvSpPr>
-          <p:cNvPr id="3" name="竖排文字占位符 2"/>
+            <a:endParaRPr lang="en-US" dirty="0"/>
+          </a:p>
+        </p:txBody>
+      </p:sp>
+      <p:sp>
+        <p:nvSpPr>
+          <p:cNvPr id="3" name="Vertical Text Placeholder 2"/>
           <p:cNvSpPr>
             <a:spLocks noGrp="1"/>
           </p:cNvSpPr>
@@ -538,8 +538,8 @@
         </p:nvSpPr>
         <p:spPr>
           <a:xfrm>
-            <a:off x="838200" y="365125"/>
-            <a:ext cx="7734300" cy="5811838"/>
+            <a:off x="628650" y="365125"/>
+            <a:ext cx="5800725" cy="5811838"/>
           </a:xfrm>
         </p:spPr>
         <p:txBody>
@@ -579,13 +579,13 @@
               <a:rPr lang="zh-CN" altLang="en-US" smtClean="0"/>
               <a:t>第五级</a:t>
             </a:r>
-            <a:endParaRPr lang="en-US"/>
-          </a:p>
-        </p:txBody>
-      </p:sp>
-      <p:sp>
-        <p:nvSpPr>
-          <p:cNvPr id="4" name="日期占位符 3"/>
+            <a:endParaRPr lang="en-US" dirty="0"/>
+          </a:p>
+        </p:txBody>
+      </p:sp>
+      <p:sp>
+        <p:nvSpPr>
+          <p:cNvPr id="4" name="Date Placeholder 3"/>
           <p:cNvSpPr>
             <a:spLocks noGrp="1"/>
           </p:cNvSpPr>
@@ -600,7 +600,7 @@
           <a:p>
             <a:fld id="{B6F453CB-D2C6-457F-A07C-A12923F6E878}" type="datetimeFigureOut">
               <a:rPr lang="en-US" smtClean="0"/>
-              <a:t>12/18/2022</a:t>
+              <a:t>10/6/2023</a:t>
             </a:fld>
             <a:endParaRPr lang="en-US"/>
           </a:p>
@@ -608,7 +608,7 @@
       </p:sp>
       <p:sp>
         <p:nvSpPr>
-          <p:cNvPr id="5" name="页脚占位符 4"/>
+          <p:cNvPr id="5" name="Footer Placeholder 4"/>
           <p:cNvSpPr>
             <a:spLocks noGrp="1"/>
           </p:cNvSpPr>
@@ -627,7 +627,7 @@
       </p:sp>
       <p:sp>
         <p:nvSpPr>
-          <p:cNvPr id="6" name="灯片编号占位符 5"/>
+          <p:cNvPr id="6" name="Slide Number Placeholder 5"/>
           <p:cNvSpPr>
             <a:spLocks noGrp="1"/>
           </p:cNvSpPr>
@@ -651,7 +651,7 @@
     </p:spTree>
     <p:extLst>
       <p:ext uri="{BB962C8B-B14F-4D97-AF65-F5344CB8AC3E}">
-        <p14:creationId xmlns:p14="http://schemas.microsoft.com/office/powerpoint/2010/main" val="534219673"/>
+        <p14:creationId xmlns:p14="http://schemas.microsoft.com/office/powerpoint/2010/main" val="3764477264"/>
       </p:ext>
     </p:extLst>
   </p:cSld>
@@ -680,7 +680,7 @@
       </p:grpSpPr>
       <p:sp>
         <p:nvSpPr>
-          <p:cNvPr id="2" name="标题 1"/>
+          <p:cNvPr id="2" name="Title 1"/>
           <p:cNvSpPr>
             <a:spLocks noGrp="1"/>
           </p:cNvSpPr>
@@ -697,13 +697,13 @@
               <a:rPr lang="zh-CN" altLang="en-US" smtClean="0"/>
               <a:t>单击此处编辑母版标题样式</a:t>
             </a:r>
-            <a:endParaRPr lang="en-US"/>
-          </a:p>
-        </p:txBody>
-      </p:sp>
-      <p:sp>
-        <p:nvSpPr>
-          <p:cNvPr id="3" name="内容占位符 2"/>
+            <a:endParaRPr lang="en-US" dirty="0"/>
+          </a:p>
+        </p:txBody>
+      </p:sp>
+      <p:sp>
+        <p:nvSpPr>
+          <p:cNvPr id="3" name="Content Placeholder 2"/>
           <p:cNvSpPr>
             <a:spLocks noGrp="1"/>
           </p:cNvSpPr>
@@ -749,13 +749,13 @@
               <a:rPr lang="zh-CN" altLang="en-US" smtClean="0"/>
               <a:t>第五级</a:t>
             </a:r>
-            <a:endParaRPr lang="en-US"/>
-          </a:p>
-        </p:txBody>
-      </p:sp>
-      <p:sp>
-        <p:nvSpPr>
-          <p:cNvPr id="4" name="日期占位符 3"/>
+            <a:endParaRPr lang="en-US" dirty="0"/>
+          </a:p>
+        </p:txBody>
+      </p:sp>
+      <p:sp>
+        <p:nvSpPr>
+          <p:cNvPr id="4" name="Date Placeholder 3"/>
           <p:cNvSpPr>
             <a:spLocks noGrp="1"/>
           </p:cNvSpPr>
@@ -770,7 +770,7 @@
           <a:p>
             <a:fld id="{B6F453CB-D2C6-457F-A07C-A12923F6E878}" type="datetimeFigureOut">
               <a:rPr lang="en-US" smtClean="0"/>
-              <a:t>12/18/2022</a:t>
+              <a:t>10/6/2023</a:t>
             </a:fld>
             <a:endParaRPr lang="en-US"/>
           </a:p>
@@ -778,7 +778,7 @@
       </p:sp>
       <p:sp>
         <p:nvSpPr>
-          <p:cNvPr id="5" name="页脚占位符 4"/>
+          <p:cNvPr id="5" name="Footer Placeholder 4"/>
           <p:cNvSpPr>
             <a:spLocks noGrp="1"/>
           </p:cNvSpPr>
@@ -797,7 +797,7 @@
       </p:sp>
       <p:sp>
         <p:nvSpPr>
-          <p:cNvPr id="6" name="灯片编号占位符 5"/>
+          <p:cNvPr id="6" name="Slide Number Placeholder 5"/>
           <p:cNvSpPr>
             <a:spLocks noGrp="1"/>
           </p:cNvSpPr>
@@ -821,7 +821,7 @@
     </p:spTree>
     <p:extLst>
       <p:ext uri="{BB962C8B-B14F-4D97-AF65-F5344CB8AC3E}">
-        <p14:creationId xmlns:p14="http://schemas.microsoft.com/office/powerpoint/2010/main" val="1821198996"/>
+        <p14:creationId xmlns:p14="http://schemas.microsoft.com/office/powerpoint/2010/main" val="1627454891"/>
       </p:ext>
     </p:extLst>
   </p:cSld>
@@ -850,7 +850,7 @@
       </p:grpSpPr>
       <p:sp>
         <p:nvSpPr>
-          <p:cNvPr id="2" name="标题 1"/>
+          <p:cNvPr id="2" name="Title 1"/>
           <p:cNvSpPr>
             <a:spLocks noGrp="1"/>
           </p:cNvSpPr>
@@ -860,8 +860,8 @@
         </p:nvSpPr>
         <p:spPr>
           <a:xfrm>
-            <a:off x="831850" y="1709738"/>
-            <a:ext cx="10515600" cy="2852737"/>
+            <a:off x="623888" y="1709739"/>
+            <a:ext cx="7886700" cy="2852737"/>
           </a:xfrm>
         </p:spPr>
         <p:txBody>
@@ -876,13 +876,13 @@
               <a:rPr lang="zh-CN" altLang="en-US" smtClean="0"/>
               <a:t>单击此处编辑母版标题样式</a:t>
             </a:r>
-            <a:endParaRPr lang="en-US"/>
-          </a:p>
-        </p:txBody>
-      </p:sp>
-      <p:sp>
-        <p:nvSpPr>
-          <p:cNvPr id="3" name="文本占位符 2"/>
+            <a:endParaRPr lang="en-US" dirty="0"/>
+          </a:p>
+        </p:txBody>
+      </p:sp>
+      <p:sp>
+        <p:nvSpPr>
+          <p:cNvPr id="3" name="Text Placeholder 2"/>
           <p:cNvSpPr>
             <a:spLocks noGrp="1"/>
           </p:cNvSpPr>
@@ -892,8 +892,8 @@
         </p:nvSpPr>
         <p:spPr>
           <a:xfrm>
-            <a:off x="831850" y="4589463"/>
-            <a:ext cx="10515600" cy="1500187"/>
+            <a:off x="623888" y="4589464"/>
+            <a:ext cx="7886700" cy="1500187"/>
           </a:xfrm>
         </p:spPr>
         <p:txBody>
@@ -903,9 +903,7 @@
               <a:buNone/>
               <a:defRPr sz="2400">
                 <a:solidFill>
-                  <a:schemeClr val="tx1">
-                    <a:tint val="75000"/>
-                  </a:schemeClr>
+                  <a:schemeClr val="tx1"/>
                 </a:solidFill>
               </a:defRPr>
             </a:lvl1pPr>
@@ -1001,7 +999,7 @@
       </p:sp>
       <p:sp>
         <p:nvSpPr>
-          <p:cNvPr id="4" name="日期占位符 3"/>
+          <p:cNvPr id="4" name="Date Placeholder 3"/>
           <p:cNvSpPr>
             <a:spLocks noGrp="1"/>
           </p:cNvSpPr>
@@ -1016,7 +1014,7 @@
           <a:p>
             <a:fld id="{B6F453CB-D2C6-457F-A07C-A12923F6E878}" type="datetimeFigureOut">
               <a:rPr lang="en-US" smtClean="0"/>
-              <a:t>12/18/2022</a:t>
+              <a:t>10/6/2023</a:t>
             </a:fld>
             <a:endParaRPr lang="en-US"/>
           </a:p>
@@ -1024,7 +1022,7 @@
       </p:sp>
       <p:sp>
         <p:nvSpPr>
-          <p:cNvPr id="5" name="页脚占位符 4"/>
+          <p:cNvPr id="5" name="Footer Placeholder 4"/>
           <p:cNvSpPr>
             <a:spLocks noGrp="1"/>
           </p:cNvSpPr>
@@ -1043,7 +1041,7 @@
       </p:sp>
       <p:sp>
         <p:nvSpPr>
-          <p:cNvPr id="6" name="灯片编号占位符 5"/>
+          <p:cNvPr id="6" name="Slide Number Placeholder 5"/>
           <p:cNvSpPr>
             <a:spLocks noGrp="1"/>
           </p:cNvSpPr>
@@ -1067,7 +1065,7 @@
     </p:spTree>
     <p:extLst>
       <p:ext uri="{BB962C8B-B14F-4D97-AF65-F5344CB8AC3E}">
-        <p14:creationId xmlns:p14="http://schemas.microsoft.com/office/powerpoint/2010/main" val="610516132"/>
+        <p14:creationId xmlns:p14="http://schemas.microsoft.com/office/powerpoint/2010/main" val="661509923"/>
       </p:ext>
     </p:extLst>
   </p:cSld>
@@ -1096,7 +1094,7 @@
       </p:grpSpPr>
       <p:sp>
         <p:nvSpPr>
-          <p:cNvPr id="2" name="标题 1"/>
+          <p:cNvPr id="2" name="Title 1"/>
           <p:cNvSpPr>
             <a:spLocks noGrp="1"/>
           </p:cNvSpPr>
@@ -1113,13 +1111,13 @@
               <a:rPr lang="zh-CN" altLang="en-US" smtClean="0"/>
               <a:t>单击此处编辑母版标题样式</a:t>
             </a:r>
-            <a:endParaRPr lang="en-US"/>
-          </a:p>
-        </p:txBody>
-      </p:sp>
-      <p:sp>
-        <p:nvSpPr>
-          <p:cNvPr id="3" name="内容占位符 2"/>
+            <a:endParaRPr lang="en-US" dirty="0"/>
+          </a:p>
+        </p:txBody>
+      </p:sp>
+      <p:sp>
+        <p:nvSpPr>
+          <p:cNvPr id="3" name="Content Placeholder 2"/>
           <p:cNvSpPr>
             <a:spLocks noGrp="1"/>
           </p:cNvSpPr>
@@ -1129,8 +1127,8 @@
         </p:nvSpPr>
         <p:spPr>
           <a:xfrm>
-            <a:off x="838200" y="1825625"/>
-            <a:ext cx="5181600" cy="4351338"/>
+            <a:off x="628650" y="1825625"/>
+            <a:ext cx="3886200" cy="4351338"/>
           </a:xfrm>
         </p:spPr>
         <p:txBody>
@@ -1170,13 +1168,13 @@
               <a:rPr lang="zh-CN" altLang="en-US" smtClean="0"/>
               <a:t>第五级</a:t>
             </a:r>
-            <a:endParaRPr lang="en-US"/>
-          </a:p>
-        </p:txBody>
-      </p:sp>
-      <p:sp>
-        <p:nvSpPr>
-          <p:cNvPr id="4" name="内容占位符 3"/>
+            <a:endParaRPr lang="en-US" dirty="0"/>
+          </a:p>
+        </p:txBody>
+      </p:sp>
+      <p:sp>
+        <p:nvSpPr>
+          <p:cNvPr id="4" name="Content Placeholder 3"/>
           <p:cNvSpPr>
             <a:spLocks noGrp="1"/>
           </p:cNvSpPr>
@@ -1186,8 +1184,8 @@
         </p:nvSpPr>
         <p:spPr>
           <a:xfrm>
-            <a:off x="6172200" y="1825625"/>
-            <a:ext cx="5181600" cy="4351338"/>
+            <a:off x="4629150" y="1825625"/>
+            <a:ext cx="3886200" cy="4351338"/>
           </a:xfrm>
         </p:spPr>
         <p:txBody>
@@ -1227,13 +1225,13 @@
               <a:rPr lang="zh-CN" altLang="en-US" smtClean="0"/>
               <a:t>第五级</a:t>
             </a:r>
-            <a:endParaRPr lang="en-US"/>
-          </a:p>
-        </p:txBody>
-      </p:sp>
-      <p:sp>
-        <p:nvSpPr>
-          <p:cNvPr id="5" name="日期占位符 4"/>
+            <a:endParaRPr lang="en-US" dirty="0"/>
+          </a:p>
+        </p:txBody>
+      </p:sp>
+      <p:sp>
+        <p:nvSpPr>
+          <p:cNvPr id="5" name="Date Placeholder 4"/>
           <p:cNvSpPr>
             <a:spLocks noGrp="1"/>
           </p:cNvSpPr>
@@ -1248,7 +1246,7 @@
           <a:p>
             <a:fld id="{B6F453CB-D2C6-457F-A07C-A12923F6E878}" type="datetimeFigureOut">
               <a:rPr lang="en-US" smtClean="0"/>
-              <a:t>12/18/2022</a:t>
+              <a:t>10/6/2023</a:t>
             </a:fld>
             <a:endParaRPr lang="en-US"/>
           </a:p>
@@ -1256,7 +1254,7 @@
       </p:sp>
       <p:sp>
         <p:nvSpPr>
-          <p:cNvPr id="6" name="页脚占位符 5"/>
+          <p:cNvPr id="6" name="Footer Placeholder 5"/>
           <p:cNvSpPr>
             <a:spLocks noGrp="1"/>
           </p:cNvSpPr>
@@ -1275,7 +1273,7 @@
       </p:sp>
       <p:sp>
         <p:nvSpPr>
-          <p:cNvPr id="7" name="灯片编号占位符 6"/>
+          <p:cNvPr id="7" name="Slide Number Placeholder 6"/>
           <p:cNvSpPr>
             <a:spLocks noGrp="1"/>
           </p:cNvSpPr>
@@ -1299,7 +1297,7 @@
     </p:spTree>
     <p:extLst>
       <p:ext uri="{BB962C8B-B14F-4D97-AF65-F5344CB8AC3E}">
-        <p14:creationId xmlns:p14="http://schemas.microsoft.com/office/powerpoint/2010/main" val="616179815"/>
+        <p14:creationId xmlns:p14="http://schemas.microsoft.com/office/powerpoint/2010/main" val="2692445268"/>
       </p:ext>
     </p:extLst>
   </p:cSld>
@@ -1328,7 +1326,7 @@
       </p:grpSpPr>
       <p:sp>
         <p:nvSpPr>
-          <p:cNvPr id="2" name="标题 1"/>
+          <p:cNvPr id="2" name="Title 1"/>
           <p:cNvSpPr>
             <a:spLocks noGrp="1"/>
           </p:cNvSpPr>
@@ -1338,8 +1336,8 @@
         </p:nvSpPr>
         <p:spPr>
           <a:xfrm>
-            <a:off x="839788" y="365125"/>
-            <a:ext cx="10515600" cy="1325563"/>
+            <a:off x="629841" y="365126"/>
+            <a:ext cx="7886700" cy="1325563"/>
           </a:xfrm>
         </p:spPr>
         <p:txBody>
@@ -1350,13 +1348,13 @@
               <a:rPr lang="zh-CN" altLang="en-US" smtClean="0"/>
               <a:t>单击此处编辑母版标题样式</a:t>
             </a:r>
-            <a:endParaRPr lang="en-US"/>
-          </a:p>
-        </p:txBody>
-      </p:sp>
-      <p:sp>
-        <p:nvSpPr>
-          <p:cNvPr id="3" name="文本占位符 2"/>
+            <a:endParaRPr lang="en-US" dirty="0"/>
+          </a:p>
+        </p:txBody>
+      </p:sp>
+      <p:sp>
+        <p:nvSpPr>
+          <p:cNvPr id="3" name="Text Placeholder 2"/>
           <p:cNvSpPr>
             <a:spLocks noGrp="1"/>
           </p:cNvSpPr>
@@ -1366,8 +1364,8 @@
         </p:nvSpPr>
         <p:spPr>
           <a:xfrm>
-            <a:off x="839788" y="1681163"/>
-            <a:ext cx="5157787" cy="823912"/>
+            <a:off x="629842" y="1681163"/>
+            <a:ext cx="3868340" cy="823912"/>
           </a:xfrm>
         </p:spPr>
         <p:txBody>
@@ -1421,7 +1419,7 @@
       </p:sp>
       <p:sp>
         <p:nvSpPr>
-          <p:cNvPr id="4" name="内容占位符 3"/>
+          <p:cNvPr id="4" name="Content Placeholder 3"/>
           <p:cNvSpPr>
             <a:spLocks noGrp="1"/>
           </p:cNvSpPr>
@@ -1431,8 +1429,8 @@
         </p:nvSpPr>
         <p:spPr>
           <a:xfrm>
-            <a:off x="839788" y="2505075"/>
-            <a:ext cx="5157787" cy="3684588"/>
+            <a:off x="629842" y="2505075"/>
+            <a:ext cx="3868340" cy="3684588"/>
           </a:xfrm>
         </p:spPr>
         <p:txBody>
@@ -1472,13 +1470,13 @@
               <a:rPr lang="zh-CN" altLang="en-US" smtClean="0"/>
               <a:t>第五级</a:t>
             </a:r>
-            <a:endParaRPr lang="en-US"/>
-          </a:p>
-        </p:txBody>
-      </p:sp>
-      <p:sp>
-        <p:nvSpPr>
-          <p:cNvPr id="5" name="文本占位符 4"/>
+            <a:endParaRPr lang="en-US" dirty="0"/>
+          </a:p>
+        </p:txBody>
+      </p:sp>
+      <p:sp>
+        <p:nvSpPr>
+          <p:cNvPr id="5" name="Text Placeholder 4"/>
           <p:cNvSpPr>
             <a:spLocks noGrp="1"/>
           </p:cNvSpPr>
@@ -1488,8 +1486,8 @@
         </p:nvSpPr>
         <p:spPr>
           <a:xfrm>
-            <a:off x="6172200" y="1681163"/>
-            <a:ext cx="5183188" cy="823912"/>
+            <a:off x="4629150" y="1681163"/>
+            <a:ext cx="3887391" cy="823912"/>
           </a:xfrm>
         </p:spPr>
         <p:txBody>
@@ -1543,7 +1541,7 @@
       </p:sp>
       <p:sp>
         <p:nvSpPr>
-          <p:cNvPr id="6" name="内容占位符 5"/>
+          <p:cNvPr id="6" name="Content Placeholder 5"/>
           <p:cNvSpPr>
             <a:spLocks noGrp="1"/>
           </p:cNvSpPr>
@@ -1553,8 +1551,8 @@
         </p:nvSpPr>
         <p:spPr>
           <a:xfrm>
-            <a:off x="6172200" y="2505075"/>
-            <a:ext cx="5183188" cy="3684588"/>
+            <a:off x="4629150" y="2505075"/>
+            <a:ext cx="3887391" cy="3684588"/>
           </a:xfrm>
         </p:spPr>
         <p:txBody>
@@ -1594,13 +1592,13 @@
               <a:rPr lang="zh-CN" altLang="en-US" smtClean="0"/>
               <a:t>第五级</a:t>
             </a:r>
-            <a:endParaRPr lang="en-US"/>
-          </a:p>
-        </p:txBody>
-      </p:sp>
-      <p:sp>
-        <p:nvSpPr>
-          <p:cNvPr id="7" name="日期占位符 6"/>
+            <a:endParaRPr lang="en-US" dirty="0"/>
+          </a:p>
+        </p:txBody>
+      </p:sp>
+      <p:sp>
+        <p:nvSpPr>
+          <p:cNvPr id="7" name="Date Placeholder 6"/>
           <p:cNvSpPr>
             <a:spLocks noGrp="1"/>
           </p:cNvSpPr>
@@ -1615,7 +1613,7 @@
           <a:p>
             <a:fld id="{B6F453CB-D2C6-457F-A07C-A12923F6E878}" type="datetimeFigureOut">
               <a:rPr lang="en-US" smtClean="0"/>
-              <a:t>12/18/2022</a:t>
+              <a:t>10/6/2023</a:t>
             </a:fld>
             <a:endParaRPr lang="en-US"/>
           </a:p>
@@ -1623,7 +1621,7 @@
       </p:sp>
       <p:sp>
         <p:nvSpPr>
-          <p:cNvPr id="8" name="页脚占位符 7"/>
+          <p:cNvPr id="8" name="Footer Placeholder 7"/>
           <p:cNvSpPr>
             <a:spLocks noGrp="1"/>
           </p:cNvSpPr>
@@ -1642,7 +1640,7 @@
       </p:sp>
       <p:sp>
         <p:nvSpPr>
-          <p:cNvPr id="9" name="灯片编号占位符 8"/>
+          <p:cNvPr id="9" name="Slide Number Placeholder 8"/>
           <p:cNvSpPr>
             <a:spLocks noGrp="1"/>
           </p:cNvSpPr>
@@ -1666,7 +1664,7 @@
     </p:spTree>
     <p:extLst>
       <p:ext uri="{BB962C8B-B14F-4D97-AF65-F5344CB8AC3E}">
-        <p14:creationId xmlns:p14="http://schemas.microsoft.com/office/powerpoint/2010/main" val="3433346568"/>
+        <p14:creationId xmlns:p14="http://schemas.microsoft.com/office/powerpoint/2010/main" val="2116826981"/>
       </p:ext>
     </p:extLst>
   </p:cSld>
@@ -1695,7 +1693,7 @@
       </p:grpSpPr>
       <p:sp>
         <p:nvSpPr>
-          <p:cNvPr id="2" name="标题 1"/>
+          <p:cNvPr id="2" name="Title 1"/>
           <p:cNvSpPr>
             <a:spLocks noGrp="1"/>
           </p:cNvSpPr>
@@ -1712,13 +1710,13 @@
               <a:rPr lang="zh-CN" altLang="en-US" smtClean="0"/>
               <a:t>单击此处编辑母版标题样式</a:t>
             </a:r>
-            <a:endParaRPr lang="en-US"/>
-          </a:p>
-        </p:txBody>
-      </p:sp>
-      <p:sp>
-        <p:nvSpPr>
-          <p:cNvPr id="3" name="日期占位符 2"/>
+            <a:endParaRPr lang="en-US" dirty="0"/>
+          </a:p>
+        </p:txBody>
+      </p:sp>
+      <p:sp>
+        <p:nvSpPr>
+          <p:cNvPr id="3" name="Date Placeholder 2"/>
           <p:cNvSpPr>
             <a:spLocks noGrp="1"/>
           </p:cNvSpPr>
@@ -1733,7 +1731,7 @@
           <a:p>
             <a:fld id="{B6F453CB-D2C6-457F-A07C-A12923F6E878}" type="datetimeFigureOut">
               <a:rPr lang="en-US" smtClean="0"/>
-              <a:t>12/18/2022</a:t>
+              <a:t>10/6/2023</a:t>
             </a:fld>
             <a:endParaRPr lang="en-US"/>
           </a:p>
@@ -1741,7 +1739,7 @@
       </p:sp>
       <p:sp>
         <p:nvSpPr>
-          <p:cNvPr id="4" name="页脚占位符 3"/>
+          <p:cNvPr id="4" name="Footer Placeholder 3"/>
           <p:cNvSpPr>
             <a:spLocks noGrp="1"/>
           </p:cNvSpPr>
@@ -1760,7 +1758,7 @@
       </p:sp>
       <p:sp>
         <p:nvSpPr>
-          <p:cNvPr id="5" name="灯片编号占位符 4"/>
+          <p:cNvPr id="5" name="Slide Number Placeholder 4"/>
           <p:cNvSpPr>
             <a:spLocks noGrp="1"/>
           </p:cNvSpPr>
@@ -1784,7 +1782,7 @@
     </p:spTree>
     <p:extLst>
       <p:ext uri="{BB962C8B-B14F-4D97-AF65-F5344CB8AC3E}">
-        <p14:creationId xmlns:p14="http://schemas.microsoft.com/office/powerpoint/2010/main" val="2565761661"/>
+        <p14:creationId xmlns:p14="http://schemas.microsoft.com/office/powerpoint/2010/main" val="2141786843"/>
       </p:ext>
     </p:extLst>
   </p:cSld>
@@ -1813,7 +1811,7 @@
       </p:grpSpPr>
       <p:sp>
         <p:nvSpPr>
-          <p:cNvPr id="2" name="日期占位符 1"/>
+          <p:cNvPr id="2" name="Date Placeholder 1"/>
           <p:cNvSpPr>
             <a:spLocks noGrp="1"/>
           </p:cNvSpPr>
@@ -1828,7 +1826,7 @@
           <a:p>
             <a:fld id="{B6F453CB-D2C6-457F-A07C-A12923F6E878}" type="datetimeFigureOut">
               <a:rPr lang="en-US" smtClean="0"/>
-              <a:t>12/18/2022</a:t>
+              <a:t>10/6/2023</a:t>
             </a:fld>
             <a:endParaRPr lang="en-US"/>
           </a:p>
@@ -1836,7 +1834,7 @@
       </p:sp>
       <p:sp>
         <p:nvSpPr>
-          <p:cNvPr id="3" name="页脚占位符 2"/>
+          <p:cNvPr id="3" name="Footer Placeholder 2"/>
           <p:cNvSpPr>
             <a:spLocks noGrp="1"/>
           </p:cNvSpPr>
@@ -1855,7 +1853,7 @@
       </p:sp>
       <p:sp>
         <p:nvSpPr>
-          <p:cNvPr id="4" name="灯片编号占位符 3"/>
+          <p:cNvPr id="4" name="Slide Number Placeholder 3"/>
           <p:cNvSpPr>
             <a:spLocks noGrp="1"/>
           </p:cNvSpPr>
@@ -1879,7 +1877,7 @@
     </p:spTree>
     <p:extLst>
       <p:ext uri="{BB962C8B-B14F-4D97-AF65-F5344CB8AC3E}">
-        <p14:creationId xmlns:p14="http://schemas.microsoft.com/office/powerpoint/2010/main" val="2837917663"/>
+        <p14:creationId xmlns:p14="http://schemas.microsoft.com/office/powerpoint/2010/main" val="3668449235"/>
       </p:ext>
     </p:extLst>
   </p:cSld>
@@ -1908,7 +1906,7 @@
       </p:grpSpPr>
       <p:sp>
         <p:nvSpPr>
-          <p:cNvPr id="2" name="标题 1"/>
+          <p:cNvPr id="2" name="Title 1"/>
           <p:cNvSpPr>
             <a:spLocks noGrp="1"/>
           </p:cNvSpPr>
@@ -1918,8 +1916,8 @@
         </p:nvSpPr>
         <p:spPr>
           <a:xfrm>
-            <a:off x="839788" y="457200"/>
-            <a:ext cx="3932237" cy="1600200"/>
+            <a:off x="629841" y="457200"/>
+            <a:ext cx="2949178" cy="1600200"/>
           </a:xfrm>
         </p:spPr>
         <p:txBody>
@@ -1934,13 +1932,13 @@
               <a:rPr lang="zh-CN" altLang="en-US" smtClean="0"/>
               <a:t>单击此处编辑母版标题样式</a:t>
             </a:r>
-            <a:endParaRPr lang="en-US"/>
-          </a:p>
-        </p:txBody>
-      </p:sp>
-      <p:sp>
-        <p:nvSpPr>
-          <p:cNvPr id="3" name="内容占位符 2"/>
+            <a:endParaRPr lang="en-US" dirty="0"/>
+          </a:p>
+        </p:txBody>
+      </p:sp>
+      <p:sp>
+        <p:nvSpPr>
+          <p:cNvPr id="3" name="Content Placeholder 2"/>
           <p:cNvSpPr>
             <a:spLocks noGrp="1"/>
           </p:cNvSpPr>
@@ -1950,8 +1948,8 @@
         </p:nvSpPr>
         <p:spPr>
           <a:xfrm>
-            <a:off x="5183188" y="987425"/>
-            <a:ext cx="6172200" cy="4873625"/>
+            <a:off x="3887391" y="987426"/>
+            <a:ext cx="4629150" cy="4873625"/>
           </a:xfrm>
         </p:spPr>
         <p:txBody>
@@ -2019,13 +2017,13 @@
               <a:rPr lang="zh-CN" altLang="en-US" smtClean="0"/>
               <a:t>第五级</a:t>
             </a:r>
-            <a:endParaRPr lang="en-US"/>
-          </a:p>
-        </p:txBody>
-      </p:sp>
-      <p:sp>
-        <p:nvSpPr>
-          <p:cNvPr id="4" name="文本占位符 3"/>
+            <a:endParaRPr lang="en-US" dirty="0"/>
+          </a:p>
+        </p:txBody>
+      </p:sp>
+      <p:sp>
+        <p:nvSpPr>
+          <p:cNvPr id="4" name="Text Placeholder 3"/>
           <p:cNvSpPr>
             <a:spLocks noGrp="1"/>
           </p:cNvSpPr>
@@ -2035,8 +2033,8 @@
         </p:nvSpPr>
         <p:spPr>
           <a:xfrm>
-            <a:off x="839788" y="2057400"/>
-            <a:ext cx="3932237" cy="3811588"/>
+            <a:off x="629841" y="2057400"/>
+            <a:ext cx="2949178" cy="3811588"/>
           </a:xfrm>
         </p:spPr>
         <p:txBody>
@@ -2090,7 +2088,7 @@
       </p:sp>
       <p:sp>
         <p:nvSpPr>
-          <p:cNvPr id="5" name="日期占位符 4"/>
+          <p:cNvPr id="5" name="Date Placeholder 4"/>
           <p:cNvSpPr>
             <a:spLocks noGrp="1"/>
           </p:cNvSpPr>
@@ -2105,7 +2103,7 @@
           <a:p>
             <a:fld id="{B6F453CB-D2C6-457F-A07C-A12923F6E878}" type="datetimeFigureOut">
               <a:rPr lang="en-US" smtClean="0"/>
-              <a:t>12/18/2022</a:t>
+              <a:t>10/6/2023</a:t>
             </a:fld>
             <a:endParaRPr lang="en-US"/>
           </a:p>
@@ -2113,7 +2111,7 @@
       </p:sp>
       <p:sp>
         <p:nvSpPr>
-          <p:cNvPr id="6" name="页脚占位符 5"/>
+          <p:cNvPr id="6" name="Footer Placeholder 5"/>
           <p:cNvSpPr>
             <a:spLocks noGrp="1"/>
           </p:cNvSpPr>
@@ -2132,7 +2130,7 @@
       </p:sp>
       <p:sp>
         <p:nvSpPr>
-          <p:cNvPr id="7" name="灯片编号占位符 6"/>
+          <p:cNvPr id="7" name="Slide Number Placeholder 6"/>
           <p:cNvSpPr>
             <a:spLocks noGrp="1"/>
           </p:cNvSpPr>
@@ -2156,7 +2154,7 @@
     </p:spTree>
     <p:extLst>
       <p:ext uri="{BB962C8B-B14F-4D97-AF65-F5344CB8AC3E}">
-        <p14:creationId xmlns:p14="http://schemas.microsoft.com/office/powerpoint/2010/main" val="3401164622"/>
+        <p14:creationId xmlns:p14="http://schemas.microsoft.com/office/powerpoint/2010/main" val="2584477486"/>
       </p:ext>
     </p:extLst>
   </p:cSld>
@@ -2185,7 +2183,7 @@
       </p:grpSpPr>
       <p:sp>
         <p:nvSpPr>
-          <p:cNvPr id="2" name="标题 1"/>
+          <p:cNvPr id="2" name="Title 1"/>
           <p:cNvSpPr>
             <a:spLocks noGrp="1"/>
           </p:cNvSpPr>
@@ -2195,8 +2193,8 @@
         </p:nvSpPr>
         <p:spPr>
           <a:xfrm>
-            <a:off x="839788" y="457200"/>
-            <a:ext cx="3932237" cy="1600200"/>
+            <a:off x="629841" y="457200"/>
+            <a:ext cx="2949178" cy="1600200"/>
           </a:xfrm>
         </p:spPr>
         <p:txBody>
@@ -2211,15 +2209,15 @@
               <a:rPr lang="zh-CN" altLang="en-US" smtClean="0"/>
               <a:t>单击此处编辑母版标题样式</a:t>
             </a:r>
-            <a:endParaRPr lang="en-US"/>
-          </a:p>
-        </p:txBody>
-      </p:sp>
-      <p:sp>
-        <p:nvSpPr>
-          <p:cNvPr id="3" name="图片占位符 2"/>
-          <p:cNvSpPr>
-            <a:spLocks noGrp="1"/>
+            <a:endParaRPr lang="en-US" dirty="0"/>
+          </a:p>
+        </p:txBody>
+      </p:sp>
+      <p:sp>
+        <p:nvSpPr>
+          <p:cNvPr id="3" name="Picture Placeholder 2"/>
+          <p:cNvSpPr>
+            <a:spLocks noGrp="1" noChangeAspect="1"/>
           </p:cNvSpPr>
           <p:nvPr>
             <p:ph type="pic" idx="1"/>
@@ -2227,12 +2225,12 @@
         </p:nvSpPr>
         <p:spPr>
           <a:xfrm>
-            <a:off x="5183188" y="987425"/>
-            <a:ext cx="6172200" cy="4873625"/>
+            <a:off x="3887391" y="987426"/>
+            <a:ext cx="4629150" cy="4873625"/>
           </a:xfrm>
         </p:spPr>
         <p:txBody>
-          <a:bodyPr/>
+          <a:bodyPr anchor="t"/>
           <a:lstStyle>
             <a:lvl1pPr marL="0" indent="0">
               <a:buNone/>
@@ -2272,13 +2270,17 @@
             </a:lvl9pPr>
           </a:lstStyle>
           <a:p>
-            <a:endParaRPr lang="en-US"/>
-          </a:p>
-        </p:txBody>
-      </p:sp>
-      <p:sp>
-        <p:nvSpPr>
-          <p:cNvPr id="4" name="文本占位符 3"/>
+            <a:r>
+              <a:rPr lang="zh-CN" altLang="en-US" smtClean="0"/>
+              <a:t>单击图标添加图片</a:t>
+            </a:r>
+            <a:endParaRPr lang="en-US" dirty="0"/>
+          </a:p>
+        </p:txBody>
+      </p:sp>
+      <p:sp>
+        <p:nvSpPr>
+          <p:cNvPr id="4" name="Text Placeholder 3"/>
           <p:cNvSpPr>
             <a:spLocks noGrp="1"/>
           </p:cNvSpPr>
@@ -2288,8 +2290,8 @@
         </p:nvSpPr>
         <p:spPr>
           <a:xfrm>
-            <a:off x="839788" y="2057400"/>
-            <a:ext cx="3932237" cy="3811588"/>
+            <a:off x="629841" y="2057400"/>
+            <a:ext cx="2949178" cy="3811588"/>
           </a:xfrm>
         </p:spPr>
         <p:txBody>
@@ -2343,7 +2345,7 @@
       </p:sp>
       <p:sp>
         <p:nvSpPr>
-          <p:cNvPr id="5" name="日期占位符 4"/>
+          <p:cNvPr id="5" name="Date Placeholder 4"/>
           <p:cNvSpPr>
             <a:spLocks noGrp="1"/>
           </p:cNvSpPr>
@@ -2358,7 +2360,7 @@
           <a:p>
             <a:fld id="{B6F453CB-D2C6-457F-A07C-A12923F6E878}" type="datetimeFigureOut">
               <a:rPr lang="en-US" smtClean="0"/>
-              <a:t>12/18/2022</a:t>
+              <a:t>10/6/2023</a:t>
             </a:fld>
             <a:endParaRPr lang="en-US"/>
           </a:p>
@@ -2366,7 +2368,7 @@
       </p:sp>
       <p:sp>
         <p:nvSpPr>
-          <p:cNvPr id="6" name="页脚占位符 5"/>
+          <p:cNvPr id="6" name="Footer Placeholder 5"/>
           <p:cNvSpPr>
             <a:spLocks noGrp="1"/>
           </p:cNvSpPr>
@@ -2385,7 +2387,7 @@
       </p:sp>
       <p:sp>
         <p:nvSpPr>
-          <p:cNvPr id="7" name="灯片编号占位符 6"/>
+          <p:cNvPr id="7" name="Slide Number Placeholder 6"/>
           <p:cNvSpPr>
             <a:spLocks noGrp="1"/>
           </p:cNvSpPr>
@@ -2409,7 +2411,7 @@
     </p:spTree>
     <p:extLst>
       <p:ext uri="{BB962C8B-B14F-4D97-AF65-F5344CB8AC3E}">
-        <p14:creationId xmlns:p14="http://schemas.microsoft.com/office/powerpoint/2010/main" val="4140813865"/>
+        <p14:creationId xmlns:p14="http://schemas.microsoft.com/office/powerpoint/2010/main" val="72943085"/>
       </p:ext>
     </p:extLst>
   </p:cSld>
@@ -2443,7 +2445,7 @@
       </p:grpSpPr>
       <p:sp>
         <p:nvSpPr>
-          <p:cNvPr id="2" name="标题占位符 1"/>
+          <p:cNvPr id="2" name="Title Placeholder 1"/>
           <p:cNvSpPr>
             <a:spLocks noGrp="1"/>
           </p:cNvSpPr>
@@ -2453,8 +2455,8 @@
         </p:nvSpPr>
         <p:spPr>
           <a:xfrm>
-            <a:off x="838200" y="365125"/>
-            <a:ext cx="10515600" cy="1325563"/>
+            <a:off x="628650" y="365126"/>
+            <a:ext cx="7886700" cy="1325563"/>
           </a:xfrm>
           <a:prstGeom prst="rect">
             <a:avLst/>
@@ -2470,13 +2472,13 @@
               <a:rPr lang="zh-CN" altLang="en-US" smtClean="0"/>
               <a:t>单击此处编辑母版标题样式</a:t>
             </a:r>
-            <a:endParaRPr lang="en-US"/>
-          </a:p>
-        </p:txBody>
-      </p:sp>
-      <p:sp>
-        <p:nvSpPr>
-          <p:cNvPr id="3" name="文本占位符 2"/>
+            <a:endParaRPr lang="en-US" dirty="0"/>
+          </a:p>
+        </p:txBody>
+      </p:sp>
+      <p:sp>
+        <p:nvSpPr>
+          <p:cNvPr id="3" name="Text Placeholder 2"/>
           <p:cNvSpPr>
             <a:spLocks noGrp="1"/>
           </p:cNvSpPr>
@@ -2486,8 +2488,8 @@
         </p:nvSpPr>
         <p:spPr>
           <a:xfrm>
-            <a:off x="838200" y="1825625"/>
-            <a:ext cx="10515600" cy="4351338"/>
+            <a:off x="628650" y="1825625"/>
+            <a:ext cx="7886700" cy="4351338"/>
           </a:xfrm>
           <a:prstGeom prst="rect">
             <a:avLst/>
@@ -2532,13 +2534,13 @@
               <a:rPr lang="zh-CN" altLang="en-US" smtClean="0"/>
               <a:t>第五级</a:t>
             </a:r>
-            <a:endParaRPr lang="en-US"/>
-          </a:p>
-        </p:txBody>
-      </p:sp>
-      <p:sp>
-        <p:nvSpPr>
-          <p:cNvPr id="4" name="日期占位符 3"/>
+            <a:endParaRPr lang="en-US" dirty="0"/>
+          </a:p>
+        </p:txBody>
+      </p:sp>
+      <p:sp>
+        <p:nvSpPr>
+          <p:cNvPr id="4" name="Date Placeholder 3"/>
           <p:cNvSpPr>
             <a:spLocks noGrp="1"/>
           </p:cNvSpPr>
@@ -2548,8 +2550,8 @@
         </p:nvSpPr>
         <p:spPr>
           <a:xfrm>
-            <a:off x="838200" y="6356350"/>
-            <a:ext cx="2743200" cy="365125"/>
+            <a:off x="628650" y="6356351"/>
+            <a:ext cx="2057400" cy="365125"/>
           </a:xfrm>
           <a:prstGeom prst="rect">
             <a:avLst/>
@@ -2571,7 +2573,7 @@
           <a:p>
             <a:fld id="{B6F453CB-D2C6-457F-A07C-A12923F6E878}" type="datetimeFigureOut">
               <a:rPr lang="en-US" smtClean="0"/>
-              <a:t>12/18/2022</a:t>
+              <a:t>10/6/2023</a:t>
             </a:fld>
             <a:endParaRPr lang="en-US"/>
           </a:p>
@@ -2579,7 +2581,7 @@
       </p:sp>
       <p:sp>
         <p:nvSpPr>
-          <p:cNvPr id="5" name="页脚占位符 4"/>
+          <p:cNvPr id="5" name="Footer Placeholder 4"/>
           <p:cNvSpPr>
             <a:spLocks noGrp="1"/>
           </p:cNvSpPr>
@@ -2589,8 +2591,8 @@
         </p:nvSpPr>
         <p:spPr>
           <a:xfrm>
-            <a:off x="4038600" y="6356350"/>
-            <a:ext cx="4114800" cy="365125"/>
+            <a:off x="3028950" y="6356351"/>
+            <a:ext cx="3086100" cy="365125"/>
           </a:xfrm>
           <a:prstGeom prst="rect">
             <a:avLst/>
@@ -2616,7 +2618,7 @@
       </p:sp>
       <p:sp>
         <p:nvSpPr>
-          <p:cNvPr id="6" name="灯片编号占位符 5"/>
+          <p:cNvPr id="6" name="Slide Number Placeholder 5"/>
           <p:cNvSpPr>
             <a:spLocks noGrp="1"/>
           </p:cNvSpPr>
@@ -2626,8 +2628,8 @@
         </p:nvSpPr>
         <p:spPr>
           <a:xfrm>
-            <a:off x="8610600" y="6356350"/>
-            <a:ext cx="2743200" cy="365125"/>
+            <a:off x="6457950" y="6356351"/>
+            <a:ext cx="2057400" cy="365125"/>
           </a:xfrm>
           <a:prstGeom prst="rect">
             <a:avLst/>
@@ -2658,23 +2660,23 @@
     </p:spTree>
     <p:extLst>
       <p:ext uri="{BB962C8B-B14F-4D97-AF65-F5344CB8AC3E}">
-        <p14:creationId xmlns:p14="http://schemas.microsoft.com/office/powerpoint/2010/main" val="879345396"/>
+        <p14:creationId xmlns:p14="http://schemas.microsoft.com/office/powerpoint/2010/main" val="1913160989"/>
       </p:ext>
     </p:extLst>
   </p:cSld>
   <p:clrMap bg1="lt1" tx1="dk1" bg2="lt2" tx2="dk2" accent1="accent1" accent2="accent2" accent3="accent3" accent4="accent4" accent5="accent5" accent6="accent6" hlink="hlink" folHlink="folHlink"/>
   <p:sldLayoutIdLst>
-    <p:sldLayoutId id="2147483649" r:id="rId1"/>
-    <p:sldLayoutId id="2147483650" r:id="rId2"/>
-    <p:sldLayoutId id="2147483651" r:id="rId3"/>
-    <p:sldLayoutId id="2147483652" r:id="rId4"/>
-    <p:sldLayoutId id="2147483653" r:id="rId5"/>
-    <p:sldLayoutId id="2147483654" r:id="rId6"/>
-    <p:sldLayoutId id="2147483655" r:id="rId7"/>
-    <p:sldLayoutId id="2147483656" r:id="rId8"/>
-    <p:sldLayoutId id="2147483657" r:id="rId9"/>
-    <p:sldLayoutId id="2147483658" r:id="rId10"/>
-    <p:sldLayoutId id="2147483659" r:id="rId11"/>
+    <p:sldLayoutId id="2147483661" r:id="rId1"/>
+    <p:sldLayoutId id="2147483662" r:id="rId2"/>
+    <p:sldLayoutId id="2147483663" r:id="rId3"/>
+    <p:sldLayoutId id="2147483664" r:id="rId4"/>
+    <p:sldLayoutId id="2147483665" r:id="rId5"/>
+    <p:sldLayoutId id="2147483666" r:id="rId6"/>
+    <p:sldLayoutId id="2147483667" r:id="rId7"/>
+    <p:sldLayoutId id="2147483668" r:id="rId8"/>
+    <p:sldLayoutId id="2147483669" r:id="rId9"/>
+    <p:sldLayoutId id="2147483670" r:id="rId10"/>
+    <p:sldLayoutId id="2147483671" r:id="rId11"/>
   </p:sldLayoutIdLst>
   <p:txStyles>
     <p:titleStyle>
@@ -3087,36 +3089,25 @@
         </p:nvSpPr>
         <p:spPr>
           <a:xfrm>
-            <a:off x="838200" y="1825625"/>
-            <a:ext cx="7200900" cy="4351338"/>
+            <a:off x="628650" y="2226469"/>
+            <a:ext cx="5400675" cy="3263504"/>
           </a:xfrm>
         </p:spPr>
         <p:txBody>
-          <a:bodyPr/>
+          <a:bodyPr>
+            <a:normAutofit fontScale="85000" lnSpcReduction="20000"/>
+          </a:bodyPr>
           <a:lstStyle/>
           <a:p>
             <a:r>
               <a:rPr lang="en-US" dirty="0" smtClean="0"/>
-              <a:t>About 50 </a:t>
-            </a:r>
+              <a:t>About 50 years</a:t>
+            </a:r>
+          </a:p>
+          <a:p>
             <a:r>
               <a:rPr lang="en-US" dirty="0" smtClean="0"/>
-              <a:t>years</a:t>
-            </a:r>
-            <a:endParaRPr lang="en-US" dirty="0" smtClean="0"/>
-          </a:p>
-          <a:p>
-            <a:r>
-              <a:rPr lang="en-US" dirty="0" smtClean="0"/>
-              <a:t>Goal: reduce the total </a:t>
-            </a:r>
-            <a:r>
-              <a:rPr lang="en-US" dirty="0" smtClean="0"/>
-              <a:t>wire-length </a:t>
-            </a:r>
-            <a:r>
-              <a:rPr lang="en-US" dirty="0" smtClean="0"/>
-              <a:t>quickly</a:t>
+              <a:t>Goal: reduce the total wire-length quickly</a:t>
             </a:r>
           </a:p>
           <a:p>
@@ -3129,11 +3120,7 @@
             <a:pPr lvl="1"/>
             <a:r>
               <a:rPr lang="en-US" dirty="0" smtClean="0"/>
-              <a:t>E.g. Measure of Design Space Exploration (DSE) replies on a stable P&amp;R </a:t>
-            </a:r>
-            <a:r>
-              <a:rPr lang="en-US" dirty="0" smtClean="0"/>
-              <a:t>results</a:t>
+              <a:t>E.g. Measure of Design Space Exploration (DSE) replies on a stable P&amp;R results</a:t>
             </a:r>
           </a:p>
           <a:p>
@@ -3143,21 +3130,8 @@
           <a:p>
             <a:r>
               <a:rPr lang="en-US" dirty="0" smtClean="0"/>
-              <a:t>Current </a:t>
-            </a:r>
-            <a:r>
-              <a:rPr lang="en-US" dirty="0" smtClean="0"/>
-              <a:t>methods: </a:t>
-            </a:r>
-            <a:r>
-              <a:rPr lang="en-US" dirty="0" smtClean="0"/>
-              <a:t>min-sum gradient-based </a:t>
-            </a:r>
-            <a:r>
-              <a:rPr lang="en-US" dirty="0" smtClean="0"/>
-              <a:t>methods</a:t>
-            </a:r>
-            <a:endParaRPr lang="en-US" dirty="0" smtClean="0"/>
+              <a:t>Current methods: min-sum gradient-based methods</a:t>
+            </a:r>
           </a:p>
           <a:p>
             <a:r>
@@ -3191,8 +3165,8 @@
         </p:blipFill>
         <p:spPr bwMode="auto">
           <a:xfrm>
-            <a:off x="7496175" y="3793306"/>
-            <a:ext cx="3857625" cy="2276475"/>
+            <a:off x="5622132" y="3702230"/>
+            <a:ext cx="2893219" cy="1707356"/>
           </a:xfrm>
           <a:prstGeom prst="rect">
             <a:avLst/>
@@ -3279,15 +3253,7 @@
           <a:p>
             <a:r>
               <a:rPr lang="en-US" dirty="0" smtClean="0"/>
-              <a:t>Current </a:t>
-            </a:r>
-            <a:r>
-              <a:rPr lang="en-US" dirty="0" smtClean="0"/>
-              <a:t>methods: </a:t>
-            </a:r>
-            <a:r>
-              <a:rPr lang="en-US" dirty="0" smtClean="0"/>
-              <a:t>add density constraints to enforce “equality”.</a:t>
+              <a:t>Current methods: add density constraints to enforce “equality”.</a:t>
             </a:r>
           </a:p>
           <a:p>
@@ -3321,8 +3287,8 @@
         </p:blipFill>
         <p:spPr>
           <a:xfrm>
-            <a:off x="1276350" y="3096095"/>
-            <a:ext cx="4500205" cy="3423768"/>
+            <a:off x="957263" y="3179321"/>
+            <a:ext cx="3375154" cy="2567826"/>
           </a:xfrm>
           <a:prstGeom prst="rect">
             <a:avLst/>
@@ -3351,8 +3317,8 @@
         </p:blipFill>
         <p:spPr>
           <a:xfrm>
-            <a:off x="6467475" y="3096095"/>
-            <a:ext cx="4432738" cy="3423768"/>
+            <a:off x="4850606" y="3179321"/>
+            <a:ext cx="3324554" cy="2567826"/>
           </a:xfrm>
           <a:prstGeom prst="rect">
             <a:avLst/>
@@ -3472,8 +3438,8 @@
         </p:blipFill>
         <p:spPr bwMode="auto">
           <a:xfrm>
-            <a:off x="1231231" y="3280610"/>
-            <a:ext cx="9729537" cy="3276467"/>
+            <a:off x="923424" y="3317708"/>
+            <a:ext cx="7297153" cy="2457350"/>
           </a:xfrm>
           <a:prstGeom prst="rect">
             <a:avLst/>
@@ -3720,8 +3686,8 @@
         </p:blipFill>
         <p:spPr>
           <a:xfrm>
-            <a:off x="6310189" y="1825625"/>
-            <a:ext cx="4191710" cy="4351338"/>
+            <a:off x="4732642" y="2226469"/>
+            <a:ext cx="3143783" cy="3263504"/>
           </a:xfrm>
         </p:spPr>
       </p:pic>
@@ -3747,8 +3713,8 @@
         </p:blipFill>
         <p:spPr>
           <a:xfrm>
-            <a:off x="1564109" y="1825625"/>
-            <a:ext cx="4185524" cy="4344916"/>
+            <a:off x="1173082" y="2226469"/>
+            <a:ext cx="3139143" cy="3258687"/>
           </a:xfrm>
           <a:prstGeom prst="rect">
             <a:avLst/>
@@ -3832,8 +3798,8 @@
         </p:blipFill>
         <p:spPr>
           <a:xfrm>
-            <a:off x="2226255" y="1825625"/>
-            <a:ext cx="7739489" cy="4351338"/>
+            <a:off x="1669692" y="2226469"/>
+            <a:ext cx="5804617" cy="3263504"/>
           </a:xfrm>
         </p:spPr>
       </p:pic>
@@ -3925,7 +3891,7 @@
 <file path=ppt/theme/theme1.xml><?xml version="1.0" encoding="utf-8"?>
 <a:theme xmlns:a="http://schemas.openxmlformats.org/drawingml/2006/main" name="Office 主题​​">
   <a:themeElements>
-    <a:clrScheme name="Office">
+    <a:clrScheme name="Office 主题​​">
       <a:dk1>
         <a:sysClr val="windowText" lastClr="000000"/>
       </a:dk1>
@@ -3963,7 +3929,7 @@
         <a:srgbClr val="954F72"/>
       </a:folHlink>
     </a:clrScheme>
-    <a:fontScheme name="Office">
+    <a:fontScheme name="Office 主题​​">
       <a:majorFont>
         <a:latin typeface="Calibri Light" panose="020F0302020204030204"/>
         <a:ea typeface=""/>
@@ -4035,7 +4001,7 @@
         <a:font script="Geor" typeface="Sylfaen"/>
       </a:minorFont>
     </a:fontScheme>
-    <a:fmtScheme name="Office">
+    <a:fmtScheme name="Office 主题​​">
       <a:fillStyleLst>
         <a:solidFill>
           <a:schemeClr val="phClr"/>
